--- a/Personas.pptx
+++ b/Personas.pptx
@@ -108,15 +108,12 @@
       </a:defRPr>
     </a:lvl9pPr>
   </p:defaultTextStyle>
+  <p:extLst>
+    <p:ext uri="{EFAFB233-063F-42B5-8137-9DF3F51BA10A}">
+      <p15:sldGuideLst xmlns:p15="http://schemas.microsoft.com/office/powerpoint/2012/main"/>
+    </p:ext>
+  </p:extLst>
 </p:presentation>
-</file>
-
-<file path=ppt/revisionInfo.xml><?xml version="1.0" encoding="utf-8"?>
-<p1510:revInfo xmlns:a="http://schemas.openxmlformats.org/drawingml/2006/main" xmlns:r="http://schemas.openxmlformats.org/officeDocument/2006/relationships" xmlns:p1510="http://schemas.microsoft.com/office/powerpoint/2015/10/main">
-  <p1510:revLst>
-    <p1510:client id="{5CE99BBE-B1F0-4145-860C-BE9DA0529D81}" v="30" dt="2019-04-29T09:30:55.402"/>
-  </p1510:revLst>
-</p1510:revInfo>
 </file>
 
 <file path=ppt/changesInfos/changesInfo1.xml><?xml version="1.0" encoding="utf-8"?>
@@ -367,6 +364,54 @@
       </pc:sldChg>
     </pc:docChg>
   </pc:docChgLst>
+  <pc:docChgLst>
+    <pc:chgData name="Theresa Dietinger" userId="e24fb6068b9f4403" providerId="LiveId" clId="{DE5AAC95-ADE8-4048-8024-7887836B5A12}"/>
+    <pc:docChg chg="modSld">
+      <pc:chgData name="Theresa Dietinger" userId="e24fb6068b9f4403" providerId="LiveId" clId="{DE5AAC95-ADE8-4048-8024-7887836B5A12}" dt="2019-05-13T10:25:01.319" v="196" actId="114"/>
+      <pc:docMkLst>
+        <pc:docMk/>
+      </pc:docMkLst>
+      <pc:sldChg chg="modSp">
+        <pc:chgData name="Theresa Dietinger" userId="e24fb6068b9f4403" providerId="LiveId" clId="{DE5AAC95-ADE8-4048-8024-7887836B5A12}" dt="2019-05-13T10:25:01.319" v="196" actId="114"/>
+        <pc:sldMkLst>
+          <pc:docMk/>
+          <pc:sldMk cId="1763634722" sldId="260"/>
+        </pc:sldMkLst>
+        <pc:spChg chg="mod">
+          <ac:chgData name="Theresa Dietinger" userId="e24fb6068b9f4403" providerId="LiveId" clId="{DE5AAC95-ADE8-4048-8024-7887836B5A12}" dt="2019-05-13T10:25:01.319" v="196" actId="114"/>
+          <ac:spMkLst>
+            <pc:docMk/>
+            <pc:sldMk cId="1763634722" sldId="260"/>
+            <ac:spMk id="9" creationId="{584B5C0C-25F6-4A77-9C63-7E38CFFC1CD3}"/>
+          </ac:spMkLst>
+        </pc:spChg>
+        <pc:spChg chg="mod">
+          <ac:chgData name="Theresa Dietinger" userId="e24fb6068b9f4403" providerId="LiveId" clId="{DE5AAC95-ADE8-4048-8024-7887836B5A12}" dt="2019-05-13T10:22:07.019" v="21" actId="20577"/>
+          <ac:spMkLst>
+            <pc:docMk/>
+            <pc:sldMk cId="1763634722" sldId="260"/>
+            <ac:spMk id="10" creationId="{FB73D35A-D87A-45A2-984C-75BB5BC410DC}"/>
+          </ac:spMkLst>
+        </pc:spChg>
+        <pc:spChg chg="mod">
+          <ac:chgData name="Theresa Dietinger" userId="e24fb6068b9f4403" providerId="LiveId" clId="{DE5AAC95-ADE8-4048-8024-7887836B5A12}" dt="2019-05-13T10:24:19.917" v="193" actId="20577"/>
+          <ac:spMkLst>
+            <pc:docMk/>
+            <pc:sldMk cId="1763634722" sldId="260"/>
+            <ac:spMk id="11" creationId="{63A8E5CE-4E63-4F27-AF3C-1F31AA0D6077}"/>
+          </ac:spMkLst>
+        </pc:spChg>
+        <pc:spChg chg="mod">
+          <ac:chgData name="Theresa Dietinger" userId="e24fb6068b9f4403" providerId="LiveId" clId="{DE5AAC95-ADE8-4048-8024-7887836B5A12}" dt="2019-05-13T10:24:46.502" v="195" actId="14100"/>
+          <ac:spMkLst>
+            <pc:docMk/>
+            <pc:sldMk cId="1763634722" sldId="260"/>
+            <ac:spMk id="14" creationId="{63715383-70C3-4B4F-9B02-5F21F529ADC7}"/>
+          </ac:spMkLst>
+        </pc:spChg>
+      </pc:sldChg>
+    </pc:docChg>
+  </pc:docChgLst>
 </pc:chgInfo>
 </file>
 
@@ -519,7 +564,7 @@
           <a:p>
             <a:fld id="{82D6A644-7A9F-4237-8B5A-D3D1DDA561D6}" type="datetimeFigureOut">
               <a:rPr lang="de-AT" smtClean="0"/>
-              <a:t>29.04.2019</a:t>
+              <a:t>13.05.2019</a:t>
             </a:fld>
             <a:endParaRPr lang="de-AT"/>
           </a:p>
@@ -719,7 +764,7 @@
           <a:p>
             <a:fld id="{82D6A644-7A9F-4237-8B5A-D3D1DDA561D6}" type="datetimeFigureOut">
               <a:rPr lang="de-AT" smtClean="0"/>
-              <a:t>29.04.2019</a:t>
+              <a:t>13.05.2019</a:t>
             </a:fld>
             <a:endParaRPr lang="de-AT"/>
           </a:p>
@@ -929,7 +974,7 @@
           <a:p>
             <a:fld id="{82D6A644-7A9F-4237-8B5A-D3D1DDA561D6}" type="datetimeFigureOut">
               <a:rPr lang="de-AT" smtClean="0"/>
-              <a:t>29.04.2019</a:t>
+              <a:t>13.05.2019</a:t>
             </a:fld>
             <a:endParaRPr lang="de-AT"/>
           </a:p>
@@ -1129,7 +1174,7 @@
           <a:p>
             <a:fld id="{82D6A644-7A9F-4237-8B5A-D3D1DDA561D6}" type="datetimeFigureOut">
               <a:rPr lang="de-AT" smtClean="0"/>
-              <a:t>29.04.2019</a:t>
+              <a:t>13.05.2019</a:t>
             </a:fld>
             <a:endParaRPr lang="de-AT"/>
           </a:p>
@@ -1405,7 +1450,7 @@
           <a:p>
             <a:fld id="{82D6A644-7A9F-4237-8B5A-D3D1DDA561D6}" type="datetimeFigureOut">
               <a:rPr lang="de-AT" smtClean="0"/>
-              <a:t>29.04.2019</a:t>
+              <a:t>13.05.2019</a:t>
             </a:fld>
             <a:endParaRPr lang="de-AT"/>
           </a:p>
@@ -1673,7 +1718,7 @@
           <a:p>
             <a:fld id="{82D6A644-7A9F-4237-8B5A-D3D1DDA561D6}" type="datetimeFigureOut">
               <a:rPr lang="de-AT" smtClean="0"/>
-              <a:t>29.04.2019</a:t>
+              <a:t>13.05.2019</a:t>
             </a:fld>
             <a:endParaRPr lang="de-AT"/>
           </a:p>
@@ -2088,7 +2133,7 @@
           <a:p>
             <a:fld id="{82D6A644-7A9F-4237-8B5A-D3D1DDA561D6}" type="datetimeFigureOut">
               <a:rPr lang="de-AT" smtClean="0"/>
-              <a:t>29.04.2019</a:t>
+              <a:t>13.05.2019</a:t>
             </a:fld>
             <a:endParaRPr lang="de-AT"/>
           </a:p>
@@ -2230,7 +2275,7 @@
           <a:p>
             <a:fld id="{82D6A644-7A9F-4237-8B5A-D3D1DDA561D6}" type="datetimeFigureOut">
               <a:rPr lang="de-AT" smtClean="0"/>
-              <a:t>29.04.2019</a:t>
+              <a:t>13.05.2019</a:t>
             </a:fld>
             <a:endParaRPr lang="de-AT"/>
           </a:p>
@@ -2343,7 +2388,7 @@
           <a:p>
             <a:fld id="{82D6A644-7A9F-4237-8B5A-D3D1DDA561D6}" type="datetimeFigureOut">
               <a:rPr lang="de-AT" smtClean="0"/>
-              <a:t>29.04.2019</a:t>
+              <a:t>13.05.2019</a:t>
             </a:fld>
             <a:endParaRPr lang="de-AT"/>
           </a:p>
@@ -2656,7 +2701,7 @@
           <a:p>
             <a:fld id="{82D6A644-7A9F-4237-8B5A-D3D1DDA561D6}" type="datetimeFigureOut">
               <a:rPr lang="de-AT" smtClean="0"/>
-              <a:t>29.04.2019</a:t>
+              <a:t>13.05.2019</a:t>
             </a:fld>
             <a:endParaRPr lang="de-AT"/>
           </a:p>
@@ -2945,7 +2990,7 @@
           <a:p>
             <a:fld id="{82D6A644-7A9F-4237-8B5A-D3D1DDA561D6}" type="datetimeFigureOut">
               <a:rPr lang="de-AT" smtClean="0"/>
-              <a:t>29.04.2019</a:t>
+              <a:t>13.05.2019</a:t>
             </a:fld>
             <a:endParaRPr lang="de-AT"/>
           </a:p>
@@ -3188,7 +3233,7 @@
           <a:p>
             <a:fld id="{82D6A644-7A9F-4237-8B5A-D3D1DDA561D6}" type="datetimeFigureOut">
               <a:rPr lang="de-AT" smtClean="0"/>
-              <a:t>29.04.2019</a:t>
+              <a:t>13.05.2019</a:t>
             </a:fld>
             <a:endParaRPr lang="de-AT"/>
           </a:p>
@@ -6443,7 +6488,7 @@
         <p:spPr>
           <a:xfrm>
             <a:off x="422030" y="3721941"/>
-            <a:ext cx="2846362" cy="923330"/>
+            <a:ext cx="2846362" cy="646331"/>
           </a:xfrm>
           <a:prstGeom prst="rect">
             <a:avLst/>
@@ -6473,22 +6518,22 @@
           <a:lstStyle/>
           <a:p>
             <a:r>
-              <a:rPr lang="de-AT" dirty="0"/>
+              <a:rPr lang="de-AT" i="1" dirty="0"/>
               <a:t>„</a:t>
             </a:r>
             <a:r>
-              <a:rPr lang="en-US" dirty="0"/>
+              <a:rPr lang="en-US" i="1" dirty="0"/>
               <a:t>The most important thing in the world is family</a:t>
             </a:r>
             <a:r>
-              <a:rPr lang="en-US" b="1" dirty="0"/>
+              <a:rPr lang="en-US" b="1" i="1" dirty="0"/>
               <a:t> </a:t>
             </a:r>
             <a:r>
-              <a:rPr lang="en-US" dirty="0"/>
+              <a:rPr lang="en-US" i="1" dirty="0"/>
               <a:t>and love”</a:t>
             </a:r>
-            <a:endParaRPr lang="de-AT" dirty="0"/>
+            <a:endParaRPr lang="de-AT" i="1" dirty="0"/>
           </a:p>
         </p:txBody>
       </p:sp>
@@ -6507,7 +6552,7 @@
         <p:spPr>
           <a:xfrm>
             <a:off x="3488787" y="1640034"/>
-            <a:ext cx="5978770" cy="2031325"/>
+            <a:ext cx="5978770" cy="2308324"/>
           </a:xfrm>
           <a:prstGeom prst="rect">
             <a:avLst/>
@@ -6632,6 +6677,25 @@
             </a:r>
             <a:endParaRPr lang="de-AT" dirty="0"/>
           </a:p>
+          <a:p>
+            <a:pPr marL="285750" indent="-285750">
+              <a:buFont typeface="Courier New" panose="02070309020205020404" pitchFamily="49" charset="0"/>
+              <a:buChar char="o"/>
+            </a:pPr>
+            <a:r>
+              <a:rPr lang="de-AT" dirty="0" err="1"/>
+              <a:t>Overpriced</a:t>
+            </a:r>
+            <a:r>
+              <a:rPr lang="de-AT" dirty="0"/>
+              <a:t> </a:t>
+            </a:r>
+            <a:r>
+              <a:rPr lang="de-AT" dirty="0" err="1"/>
+              <a:t>hotels</a:t>
+            </a:r>
+            <a:endParaRPr lang="de-AT" dirty="0"/>
+          </a:p>
         </p:txBody>
       </p:sp>
       <p:sp>
@@ -6649,7 +6713,7 @@
         <p:spPr>
           <a:xfrm>
             <a:off x="3488787" y="4660005"/>
-            <a:ext cx="6199164" cy="646331"/>
+            <a:ext cx="6199164" cy="1477328"/>
           </a:xfrm>
           <a:prstGeom prst="rect">
             <a:avLst/>
@@ -6691,6 +6755,320 @@
             </a:r>
           </a:p>
           <a:p>
+            <a:r>
+              <a:rPr lang="de-AT" dirty="0">
+                <a:solidFill>
+                  <a:schemeClr val="tx1"/>
+                </a:solidFill>
+              </a:rPr>
+              <a:t>A </a:t>
+            </a:r>
+            <a:r>
+              <a:rPr lang="de-AT" dirty="0" err="1">
+                <a:solidFill>
+                  <a:schemeClr val="tx1"/>
+                </a:solidFill>
+              </a:rPr>
+              <a:t>typical</a:t>
+            </a:r>
+            <a:r>
+              <a:rPr lang="de-AT" dirty="0">
+                <a:solidFill>
+                  <a:schemeClr val="tx1"/>
+                </a:solidFill>
+              </a:rPr>
+              <a:t> </a:t>
+            </a:r>
+            <a:r>
+              <a:rPr lang="de-AT" dirty="0" err="1">
+                <a:solidFill>
+                  <a:schemeClr val="tx1"/>
+                </a:solidFill>
+              </a:rPr>
+              <a:t>family</a:t>
+            </a:r>
+            <a:r>
+              <a:rPr lang="de-AT" dirty="0">
+                <a:solidFill>
+                  <a:schemeClr val="tx1"/>
+                </a:solidFill>
+              </a:rPr>
+              <a:t> </a:t>
+            </a:r>
+            <a:r>
+              <a:rPr lang="de-AT" dirty="0" err="1">
+                <a:solidFill>
+                  <a:schemeClr val="tx1"/>
+                </a:solidFill>
+              </a:rPr>
+              <a:t>that</a:t>
+            </a:r>
+            <a:r>
+              <a:rPr lang="de-AT" dirty="0">
+                <a:solidFill>
+                  <a:schemeClr val="tx1"/>
+                </a:solidFill>
+              </a:rPr>
+              <a:t> </a:t>
+            </a:r>
+            <a:r>
+              <a:rPr lang="de-AT" dirty="0" err="1">
+                <a:solidFill>
+                  <a:schemeClr val="tx1"/>
+                </a:solidFill>
+              </a:rPr>
+              <a:t>usually</a:t>
+            </a:r>
+            <a:r>
+              <a:rPr lang="de-AT" dirty="0">
+                <a:solidFill>
+                  <a:schemeClr val="tx1"/>
+                </a:solidFill>
+              </a:rPr>
+              <a:t> </a:t>
+            </a:r>
+            <a:r>
+              <a:rPr lang="de-AT" dirty="0" err="1">
+                <a:solidFill>
+                  <a:schemeClr val="tx1"/>
+                </a:solidFill>
+              </a:rPr>
+              <a:t>spends</a:t>
+            </a:r>
+            <a:r>
+              <a:rPr lang="de-AT" dirty="0">
+                <a:solidFill>
+                  <a:schemeClr val="tx1"/>
+                </a:solidFill>
+              </a:rPr>
+              <a:t> </a:t>
+            </a:r>
+            <a:r>
+              <a:rPr lang="de-AT" dirty="0" err="1">
+                <a:solidFill>
+                  <a:schemeClr val="tx1"/>
+                </a:solidFill>
+              </a:rPr>
+              <a:t>their</a:t>
+            </a:r>
+            <a:r>
+              <a:rPr lang="de-AT" dirty="0">
+                <a:solidFill>
+                  <a:schemeClr val="tx1"/>
+                </a:solidFill>
+              </a:rPr>
+              <a:t> </a:t>
+            </a:r>
+            <a:r>
+              <a:rPr lang="de-AT" dirty="0" err="1">
+                <a:solidFill>
+                  <a:schemeClr val="tx1"/>
+                </a:solidFill>
+              </a:rPr>
+              <a:t>holiday</a:t>
+            </a:r>
+            <a:r>
+              <a:rPr lang="de-AT" dirty="0">
+                <a:solidFill>
+                  <a:schemeClr val="tx1"/>
+                </a:solidFill>
+              </a:rPr>
+              <a:t> </a:t>
+            </a:r>
+            <a:r>
+              <a:rPr lang="de-AT" dirty="0" err="1">
+                <a:solidFill>
+                  <a:schemeClr val="tx1"/>
+                </a:solidFill>
+              </a:rPr>
+              <a:t>with</a:t>
+            </a:r>
+            <a:r>
+              <a:rPr lang="de-AT" dirty="0">
+                <a:solidFill>
+                  <a:schemeClr val="tx1"/>
+                </a:solidFill>
+              </a:rPr>
+              <a:t> </a:t>
+            </a:r>
+            <a:r>
+              <a:rPr lang="de-AT" dirty="0" err="1">
+                <a:solidFill>
+                  <a:schemeClr val="tx1"/>
+                </a:solidFill>
+              </a:rPr>
+              <a:t>one</a:t>
+            </a:r>
+            <a:r>
+              <a:rPr lang="de-AT" dirty="0">
+                <a:solidFill>
+                  <a:schemeClr val="tx1"/>
+                </a:solidFill>
+              </a:rPr>
+              <a:t> </a:t>
+            </a:r>
+            <a:r>
+              <a:rPr lang="de-AT" dirty="0" err="1">
+                <a:solidFill>
+                  <a:schemeClr val="tx1"/>
+                </a:solidFill>
+              </a:rPr>
+              <a:t>week</a:t>
+            </a:r>
+            <a:r>
+              <a:rPr lang="de-AT" dirty="0">
+                <a:solidFill>
+                  <a:schemeClr val="tx1"/>
+                </a:solidFill>
+              </a:rPr>
+              <a:t> </a:t>
+            </a:r>
+            <a:r>
+              <a:rPr lang="de-AT" dirty="0" err="1">
+                <a:solidFill>
+                  <a:schemeClr val="tx1"/>
+                </a:solidFill>
+              </a:rPr>
+              <a:t>trips</a:t>
+            </a:r>
+            <a:r>
+              <a:rPr lang="de-AT" dirty="0">
+                <a:solidFill>
+                  <a:schemeClr val="tx1"/>
+                </a:solidFill>
+              </a:rPr>
+              <a:t> </a:t>
+            </a:r>
+            <a:r>
+              <a:rPr lang="de-AT" dirty="0" err="1">
+                <a:solidFill>
+                  <a:schemeClr val="tx1"/>
+                </a:solidFill>
+              </a:rPr>
+              <a:t>to</a:t>
+            </a:r>
+            <a:r>
+              <a:rPr lang="de-AT" dirty="0">
+                <a:solidFill>
+                  <a:schemeClr val="tx1"/>
+                </a:solidFill>
+              </a:rPr>
+              <a:t> relax and </a:t>
+            </a:r>
+            <a:r>
+              <a:rPr lang="de-AT" dirty="0" err="1">
+                <a:solidFill>
+                  <a:schemeClr val="tx1"/>
+                </a:solidFill>
+              </a:rPr>
+              <a:t>take</a:t>
+            </a:r>
+            <a:r>
+              <a:rPr lang="de-AT" dirty="0">
+                <a:solidFill>
+                  <a:schemeClr val="tx1"/>
+                </a:solidFill>
+              </a:rPr>
+              <a:t> </a:t>
+            </a:r>
+            <a:r>
+              <a:rPr lang="de-AT" dirty="0" err="1">
+                <a:solidFill>
+                  <a:schemeClr val="tx1"/>
+                </a:solidFill>
+              </a:rPr>
+              <a:t>some</a:t>
+            </a:r>
+            <a:r>
+              <a:rPr lang="de-AT" dirty="0">
+                <a:solidFill>
+                  <a:schemeClr val="tx1"/>
+                </a:solidFill>
+              </a:rPr>
+              <a:t> time off. </a:t>
+            </a:r>
+            <a:r>
+              <a:rPr lang="de-AT" dirty="0" err="1">
+                <a:solidFill>
+                  <a:schemeClr val="tx1"/>
+                </a:solidFill>
+              </a:rPr>
+              <a:t>From</a:t>
+            </a:r>
+            <a:r>
+              <a:rPr lang="de-AT" dirty="0">
+                <a:solidFill>
+                  <a:schemeClr val="tx1"/>
+                </a:solidFill>
+              </a:rPr>
+              <a:t> time </a:t>
+            </a:r>
+            <a:r>
+              <a:rPr lang="de-AT" dirty="0" err="1">
+                <a:solidFill>
+                  <a:schemeClr val="tx1"/>
+                </a:solidFill>
+              </a:rPr>
+              <a:t>to</a:t>
+            </a:r>
+            <a:r>
+              <a:rPr lang="de-AT" dirty="0">
+                <a:solidFill>
+                  <a:schemeClr val="tx1"/>
+                </a:solidFill>
+              </a:rPr>
+              <a:t> time </a:t>
+            </a:r>
+            <a:r>
+              <a:rPr lang="de-AT" dirty="0" err="1">
+                <a:solidFill>
+                  <a:schemeClr val="tx1"/>
+                </a:solidFill>
+              </a:rPr>
+              <a:t>they</a:t>
+            </a:r>
+            <a:r>
+              <a:rPr lang="de-AT" dirty="0">
+                <a:solidFill>
+                  <a:schemeClr val="tx1"/>
+                </a:solidFill>
+              </a:rPr>
+              <a:t> also plan </a:t>
+            </a:r>
+            <a:r>
+              <a:rPr lang="de-AT" dirty="0" err="1">
+                <a:solidFill>
+                  <a:schemeClr val="tx1"/>
+                </a:solidFill>
+              </a:rPr>
+              <a:t>road</a:t>
+            </a:r>
+            <a:r>
+              <a:rPr lang="de-AT" dirty="0">
+                <a:solidFill>
+                  <a:schemeClr val="tx1"/>
+                </a:solidFill>
+              </a:rPr>
+              <a:t> </a:t>
+            </a:r>
+            <a:r>
+              <a:rPr lang="de-AT" dirty="0" err="1">
+                <a:solidFill>
+                  <a:schemeClr val="tx1"/>
+                </a:solidFill>
+              </a:rPr>
+              <a:t>trips</a:t>
+            </a:r>
+            <a:r>
+              <a:rPr lang="de-AT" dirty="0">
+                <a:solidFill>
+                  <a:schemeClr val="tx1"/>
+                </a:solidFill>
+              </a:rPr>
+              <a:t>.</a:t>
+            </a:r>
+          </a:p>
+          <a:p>
             <a:endParaRPr lang="de-AT" dirty="0">
               <a:latin typeface="Arial Rounded MT Bold" panose="020F0704030504030204" pitchFamily="34" charset="0"/>
             </a:endParaRPr>
@@ -6967,8 +7345,8 @@
         </p:nvSpPr>
         <p:spPr>
           <a:xfrm>
-            <a:off x="9823936" y="2747625"/>
-            <a:ext cx="298355" cy="168813"/>
+            <a:off x="9823936" y="2747624"/>
+            <a:ext cx="862819" cy="168815"/>
           </a:xfrm>
           <a:prstGeom prst="rect">
             <a:avLst/>
